--- a/Book/Thesis_Presentation3.pptx
+++ b/Book/Thesis_Presentation3.pptx
@@ -4,9 +4,6 @@
   <p:sldMasterIdLst>
     <p:sldMasterId id="2147483660" r:id="rId4"/>
   </p:sldMasterIdLst>
-  <p:notesMasterIdLst>
-    <p:notesMasterId r:id="rId33"/>
-  </p:notesMasterIdLst>
   <p:sldIdLst>
     <p:sldId id="256" r:id="rId5"/>
     <p:sldId id="257" r:id="rId6"/>
@@ -136,7 +133,7 @@
   </p:defaultTextStyle>
   <p:extLst>
     <p:ext uri="{EFAFB233-063F-42B5-8137-9DF3F51BA10A}">
-      <p15:sldGuideLst xmlns="" xmlns:p15="http://schemas.microsoft.com/office/powerpoint/2012/main">
+      <p15:sldGuideLst xmlns:p15="http://schemas.microsoft.com/office/powerpoint/2012/main">
         <p15:guide id="1" orient="horz" pos="2160">
           <p15:clr>
             <a:srgbClr val="A4A3A4"/>
@@ -204,440 +201,6 @@
     </pc:docChg>
   </pc:docChgLst>
 </pc:chgInfo>
-</file>
-
-<file path=ppt/notesMasters/notesMaster1.xml><?xml version="1.0" encoding="utf-8"?>
-<p:notesMaster xmlns:a="http://schemas.openxmlformats.org/drawingml/2006/main" xmlns:r="http://schemas.openxmlformats.org/officeDocument/2006/relationships" xmlns:p="http://schemas.openxmlformats.org/presentationml/2006/main">
-  <p:cSld>
-    <p:bg>
-      <p:bgRef idx="1001">
-        <a:schemeClr val="bg1"/>
-      </p:bgRef>
-    </p:bg>
-    <p:spTree>
-      <p:nvGrpSpPr>
-        <p:cNvPr id="1" name=""/>
-        <p:cNvGrpSpPr/>
-        <p:nvPr/>
-      </p:nvGrpSpPr>
-      <p:grpSpPr>
-        <a:xfrm>
-          <a:off x="0" y="0"/>
-          <a:ext cx="0" cy="0"/>
-          <a:chOff x="0" y="0"/>
-          <a:chExt cx="0" cy="0"/>
-        </a:xfrm>
-      </p:grpSpPr>
-      <p:sp>
-        <p:nvSpPr>
-          <p:cNvPr id="2" name="Header Placeholder 1"/>
-          <p:cNvSpPr>
-            <a:spLocks noGrp="1"/>
-          </p:cNvSpPr>
-          <p:nvPr>
-            <p:ph type="hdr" sz="quarter"/>
-          </p:nvPr>
-        </p:nvSpPr>
-        <p:spPr>
-          <a:xfrm>
-            <a:off x="0" y="0"/>
-            <a:ext cx="2971800" cy="457200"/>
-          </a:xfrm>
-          <a:prstGeom prst="rect">
-            <a:avLst/>
-          </a:prstGeom>
-        </p:spPr>
-        <p:txBody>
-          <a:bodyPr vert="horz" lIns="91440" tIns="45720" rIns="91440" bIns="45720" rtlCol="0"/>
-          <a:lstStyle>
-            <a:lvl1pPr algn="l">
-              <a:defRPr sz="1200"/>
-            </a:lvl1pPr>
-          </a:lstStyle>
-          <a:p>
-            <a:endParaRPr lang="en-US"/>
-          </a:p>
-        </p:txBody>
-      </p:sp>
-      <p:sp>
-        <p:nvSpPr>
-          <p:cNvPr id="3" name="Date Placeholder 2"/>
-          <p:cNvSpPr>
-            <a:spLocks noGrp="1"/>
-          </p:cNvSpPr>
-          <p:nvPr>
-            <p:ph type="dt" idx="1"/>
-          </p:nvPr>
-        </p:nvSpPr>
-        <p:spPr>
-          <a:xfrm>
-            <a:off x="3884613" y="0"/>
-            <a:ext cx="2971800" cy="457200"/>
-          </a:xfrm>
-          <a:prstGeom prst="rect">
-            <a:avLst/>
-          </a:prstGeom>
-        </p:spPr>
-        <p:txBody>
-          <a:bodyPr vert="horz" lIns="91440" tIns="45720" rIns="91440" bIns="45720" rtlCol="0"/>
-          <a:lstStyle>
-            <a:lvl1pPr algn="r">
-              <a:defRPr sz="1200"/>
-            </a:lvl1pPr>
-          </a:lstStyle>
-          <a:p>
-            <a:fld id="{477457D8-0F3E-4600-BCF0-A9F1BEF2F7F4}" type="datetimeFigureOut">
-              <a:rPr lang="en-US" smtClean="0"/>
-              <a:t>2/23/2021</a:t>
-            </a:fld>
-            <a:endParaRPr lang="en-US"/>
-          </a:p>
-        </p:txBody>
-      </p:sp>
-      <p:sp>
-        <p:nvSpPr>
-          <p:cNvPr id="4" name="Slide Image Placeholder 3"/>
-          <p:cNvSpPr>
-            <a:spLocks noGrp="1" noRot="1" noChangeAspect="1"/>
-          </p:cNvSpPr>
-          <p:nvPr>
-            <p:ph type="sldImg" idx="2"/>
-          </p:nvPr>
-        </p:nvSpPr>
-        <p:spPr>
-          <a:xfrm>
-            <a:off x="1143000" y="685800"/>
-            <a:ext cx="4572000" cy="3429000"/>
-          </a:xfrm>
-          <a:prstGeom prst="rect">
-            <a:avLst/>
-          </a:prstGeom>
-          <a:noFill/>
-          <a:ln w="12700">
-            <a:solidFill>
-              <a:prstClr val="black"/>
-            </a:solidFill>
-          </a:ln>
-        </p:spPr>
-        <p:txBody>
-          <a:bodyPr vert="horz" lIns="91440" tIns="45720" rIns="91440" bIns="45720" rtlCol="0" anchor="ctr"/>
-          <a:lstStyle/>
-          <a:p>
-            <a:endParaRPr lang="en-US"/>
-          </a:p>
-        </p:txBody>
-      </p:sp>
-      <p:sp>
-        <p:nvSpPr>
-          <p:cNvPr id="5" name="Notes Placeholder 4"/>
-          <p:cNvSpPr>
-            <a:spLocks noGrp="1"/>
-          </p:cNvSpPr>
-          <p:nvPr>
-            <p:ph type="body" sz="quarter" idx="3"/>
-          </p:nvPr>
-        </p:nvSpPr>
-        <p:spPr>
-          <a:xfrm>
-            <a:off x="685800" y="4343400"/>
-            <a:ext cx="5486400" cy="4114800"/>
-          </a:xfrm>
-          <a:prstGeom prst="rect">
-            <a:avLst/>
-          </a:prstGeom>
-        </p:spPr>
-        <p:txBody>
-          <a:bodyPr vert="horz" lIns="91440" tIns="45720" rIns="91440" bIns="45720" rtlCol="0"/>
-          <a:lstStyle/>
-          <a:p>
-            <a:pPr lvl="0"/>
-            <a:r>
-              <a:rPr lang="en-US" smtClean="0"/>
-              <a:t>Click to edit Master text styles</a:t>
-            </a:r>
-          </a:p>
-          <a:p>
-            <a:pPr lvl="1"/>
-            <a:r>
-              <a:rPr lang="en-US" smtClean="0"/>
-              <a:t>Second level</a:t>
-            </a:r>
-          </a:p>
-          <a:p>
-            <a:pPr lvl="2"/>
-            <a:r>
-              <a:rPr lang="en-US" smtClean="0"/>
-              <a:t>Third level</a:t>
-            </a:r>
-          </a:p>
-          <a:p>
-            <a:pPr lvl="3"/>
-            <a:r>
-              <a:rPr lang="en-US" smtClean="0"/>
-              <a:t>Fourth level</a:t>
-            </a:r>
-          </a:p>
-          <a:p>
-            <a:pPr lvl="4"/>
-            <a:r>
-              <a:rPr lang="en-US" smtClean="0"/>
-              <a:t>Fifth level</a:t>
-            </a:r>
-            <a:endParaRPr lang="en-US"/>
-          </a:p>
-        </p:txBody>
-      </p:sp>
-      <p:sp>
-        <p:nvSpPr>
-          <p:cNvPr id="6" name="Footer Placeholder 5"/>
-          <p:cNvSpPr>
-            <a:spLocks noGrp="1"/>
-          </p:cNvSpPr>
-          <p:nvPr>
-            <p:ph type="ftr" sz="quarter" idx="4"/>
-          </p:nvPr>
-        </p:nvSpPr>
-        <p:spPr>
-          <a:xfrm>
-            <a:off x="0" y="8685213"/>
-            <a:ext cx="2971800" cy="457200"/>
-          </a:xfrm>
-          <a:prstGeom prst="rect">
-            <a:avLst/>
-          </a:prstGeom>
-        </p:spPr>
-        <p:txBody>
-          <a:bodyPr vert="horz" lIns="91440" tIns="45720" rIns="91440" bIns="45720" rtlCol="0" anchor="b"/>
-          <a:lstStyle>
-            <a:lvl1pPr algn="l">
-              <a:defRPr sz="1200"/>
-            </a:lvl1pPr>
-          </a:lstStyle>
-          <a:p>
-            <a:endParaRPr lang="en-US"/>
-          </a:p>
-        </p:txBody>
-      </p:sp>
-      <p:sp>
-        <p:nvSpPr>
-          <p:cNvPr id="7" name="Slide Number Placeholder 6"/>
-          <p:cNvSpPr>
-            <a:spLocks noGrp="1"/>
-          </p:cNvSpPr>
-          <p:nvPr>
-            <p:ph type="sldNum" sz="quarter" idx="5"/>
-          </p:nvPr>
-        </p:nvSpPr>
-        <p:spPr>
-          <a:xfrm>
-            <a:off x="3884613" y="8685213"/>
-            <a:ext cx="2971800" cy="457200"/>
-          </a:xfrm>
-          <a:prstGeom prst="rect">
-            <a:avLst/>
-          </a:prstGeom>
-        </p:spPr>
-        <p:txBody>
-          <a:bodyPr vert="horz" lIns="91440" tIns="45720" rIns="91440" bIns="45720" rtlCol="0" anchor="b"/>
-          <a:lstStyle>
-            <a:lvl1pPr algn="r">
-              <a:defRPr sz="1200"/>
-            </a:lvl1pPr>
-          </a:lstStyle>
-          <a:p>
-            <a:fld id="{F7F0AB02-A8FC-4E1D-8A3D-CC92FDD0E2B0}" type="slidenum">
-              <a:rPr lang="en-US" smtClean="0"/>
-              <a:t>‹#›</a:t>
-            </a:fld>
-            <a:endParaRPr lang="en-US"/>
-          </a:p>
-        </p:txBody>
-      </p:sp>
-    </p:spTree>
-    <p:extLst>
-      <p:ext uri="{BB962C8B-B14F-4D97-AF65-F5344CB8AC3E}">
-        <p14:creationId xmlns:p14="http://schemas.microsoft.com/office/powerpoint/2010/main" val="2936627208"/>
-      </p:ext>
-    </p:extLst>
-  </p:cSld>
-  <p:clrMap bg1="lt1" tx1="dk1" bg2="lt2" tx2="dk2" accent1="accent1" accent2="accent2" accent3="accent3" accent4="accent4" accent5="accent5" accent6="accent6" hlink="hlink" folHlink="folHlink"/>
-  <p:notesStyle>
-    <a:lvl1pPr marL="0" algn="l" defTabSz="914400" rtl="0" eaLnBrk="1" latinLnBrk="0" hangingPunct="1">
-      <a:defRPr sz="1200" kern="1200">
-        <a:solidFill>
-          <a:schemeClr val="tx1"/>
-        </a:solidFill>
-        <a:latin typeface="+mn-lt"/>
-        <a:ea typeface="+mn-ea"/>
-        <a:cs typeface="+mn-cs"/>
-      </a:defRPr>
-    </a:lvl1pPr>
-    <a:lvl2pPr marL="457200" algn="l" defTabSz="914400" rtl="0" eaLnBrk="1" latinLnBrk="0" hangingPunct="1">
-      <a:defRPr sz="1200" kern="1200">
-        <a:solidFill>
-          <a:schemeClr val="tx1"/>
-        </a:solidFill>
-        <a:latin typeface="+mn-lt"/>
-        <a:ea typeface="+mn-ea"/>
-        <a:cs typeface="+mn-cs"/>
-      </a:defRPr>
-    </a:lvl2pPr>
-    <a:lvl3pPr marL="914400" algn="l" defTabSz="914400" rtl="0" eaLnBrk="1" latinLnBrk="0" hangingPunct="1">
-      <a:defRPr sz="1200" kern="1200">
-        <a:solidFill>
-          <a:schemeClr val="tx1"/>
-        </a:solidFill>
-        <a:latin typeface="+mn-lt"/>
-        <a:ea typeface="+mn-ea"/>
-        <a:cs typeface="+mn-cs"/>
-      </a:defRPr>
-    </a:lvl3pPr>
-    <a:lvl4pPr marL="1371600" algn="l" defTabSz="914400" rtl="0" eaLnBrk="1" latinLnBrk="0" hangingPunct="1">
-      <a:defRPr sz="1200" kern="1200">
-        <a:solidFill>
-          <a:schemeClr val="tx1"/>
-        </a:solidFill>
-        <a:latin typeface="+mn-lt"/>
-        <a:ea typeface="+mn-ea"/>
-        <a:cs typeface="+mn-cs"/>
-      </a:defRPr>
-    </a:lvl4pPr>
-    <a:lvl5pPr marL="1828800" algn="l" defTabSz="914400" rtl="0" eaLnBrk="1" latinLnBrk="0" hangingPunct="1">
-      <a:defRPr sz="1200" kern="1200">
-        <a:solidFill>
-          <a:schemeClr val="tx1"/>
-        </a:solidFill>
-        <a:latin typeface="+mn-lt"/>
-        <a:ea typeface="+mn-ea"/>
-        <a:cs typeface="+mn-cs"/>
-      </a:defRPr>
-    </a:lvl5pPr>
-    <a:lvl6pPr marL="2286000" algn="l" defTabSz="914400" rtl="0" eaLnBrk="1" latinLnBrk="0" hangingPunct="1">
-      <a:defRPr sz="1200" kern="1200">
-        <a:solidFill>
-          <a:schemeClr val="tx1"/>
-        </a:solidFill>
-        <a:latin typeface="+mn-lt"/>
-        <a:ea typeface="+mn-ea"/>
-        <a:cs typeface="+mn-cs"/>
-      </a:defRPr>
-    </a:lvl6pPr>
-    <a:lvl7pPr marL="2743200" algn="l" defTabSz="914400" rtl="0" eaLnBrk="1" latinLnBrk="0" hangingPunct="1">
-      <a:defRPr sz="1200" kern="1200">
-        <a:solidFill>
-          <a:schemeClr val="tx1"/>
-        </a:solidFill>
-        <a:latin typeface="+mn-lt"/>
-        <a:ea typeface="+mn-ea"/>
-        <a:cs typeface="+mn-cs"/>
-      </a:defRPr>
-    </a:lvl7pPr>
-    <a:lvl8pPr marL="3200400" algn="l" defTabSz="914400" rtl="0" eaLnBrk="1" latinLnBrk="0" hangingPunct="1">
-      <a:defRPr sz="1200" kern="1200">
-        <a:solidFill>
-          <a:schemeClr val="tx1"/>
-        </a:solidFill>
-        <a:latin typeface="+mn-lt"/>
-        <a:ea typeface="+mn-ea"/>
-        <a:cs typeface="+mn-cs"/>
-      </a:defRPr>
-    </a:lvl8pPr>
-    <a:lvl9pPr marL="3657600" algn="l" defTabSz="914400" rtl="0" eaLnBrk="1" latinLnBrk="0" hangingPunct="1">
-      <a:defRPr sz="1200" kern="1200">
-        <a:solidFill>
-          <a:schemeClr val="tx1"/>
-        </a:solidFill>
-        <a:latin typeface="+mn-lt"/>
-        <a:ea typeface="+mn-ea"/>
-        <a:cs typeface="+mn-cs"/>
-      </a:defRPr>
-    </a:lvl9pPr>
-  </p:notesStyle>
-</p:notesMaster>
-</file>
-
-<file path=ppt/notesSlides/notesSlide1.xml><?xml version="1.0" encoding="utf-8"?>
-<p:notes xmlns:a="http://schemas.openxmlformats.org/drawingml/2006/main" xmlns:r="http://schemas.openxmlformats.org/officeDocument/2006/relationships" xmlns:p="http://schemas.openxmlformats.org/presentationml/2006/main">
-  <p:cSld>
-    <p:spTree>
-      <p:nvGrpSpPr>
-        <p:cNvPr id="1" name=""/>
-        <p:cNvGrpSpPr/>
-        <p:nvPr/>
-      </p:nvGrpSpPr>
-      <p:grpSpPr>
-        <a:xfrm>
-          <a:off x="0" y="0"/>
-          <a:ext cx="0" cy="0"/>
-          <a:chOff x="0" y="0"/>
-          <a:chExt cx="0" cy="0"/>
-        </a:xfrm>
-      </p:grpSpPr>
-      <p:sp>
-        <p:nvSpPr>
-          <p:cNvPr id="2" name="Slide Image Placeholder 1"/>
-          <p:cNvSpPr>
-            <a:spLocks noGrp="1" noRot="1" noChangeAspect="1"/>
-          </p:cNvSpPr>
-          <p:nvPr>
-            <p:ph type="sldImg"/>
-          </p:nvPr>
-        </p:nvSpPr>
-        <p:spPr/>
-      </p:sp>
-      <p:sp>
-        <p:nvSpPr>
-          <p:cNvPr id="3" name="Notes Placeholder 2"/>
-          <p:cNvSpPr>
-            <a:spLocks noGrp="1"/>
-          </p:cNvSpPr>
-          <p:nvPr>
-            <p:ph type="body" idx="1"/>
-          </p:nvPr>
-        </p:nvSpPr>
-        <p:spPr/>
-        <p:txBody>
-          <a:bodyPr/>
-          <a:lstStyle/>
-          <a:p>
-            <a:endParaRPr lang="en-US" dirty="0"/>
-          </a:p>
-        </p:txBody>
-      </p:sp>
-      <p:sp>
-        <p:nvSpPr>
-          <p:cNvPr id="4" name="Slide Number Placeholder 3"/>
-          <p:cNvSpPr>
-            <a:spLocks noGrp="1"/>
-          </p:cNvSpPr>
-          <p:nvPr>
-            <p:ph type="sldNum" sz="quarter" idx="10"/>
-          </p:nvPr>
-        </p:nvSpPr>
-        <p:spPr/>
-        <p:txBody>
-          <a:bodyPr/>
-          <a:lstStyle/>
-          <a:p>
-            <a:fld id="{F7F0AB02-A8FC-4E1D-8A3D-CC92FDD0E2B0}" type="slidenum">
-              <a:rPr lang="en-US" smtClean="0"/>
-              <a:t>4</a:t>
-            </a:fld>
-            <a:endParaRPr lang="en-US"/>
-          </a:p>
-        </p:txBody>
-      </p:sp>
-    </p:spTree>
-    <p:extLst>
-      <p:ext uri="{BB962C8B-B14F-4D97-AF65-F5344CB8AC3E}">
-        <p14:creationId xmlns:p14="http://schemas.microsoft.com/office/powerpoint/2010/main" val="840999217"/>
-      </p:ext>
-    </p:extLst>
-  </p:cSld>
-  <p:clrMapOvr>
-    <a:masterClrMapping/>
-  </p:clrMapOvr>
-</p:notes>
 </file>
 
 <file path=ppt/slideLayouts/slideLayout1.xml><?xml version="1.0" encoding="utf-8"?>
@@ -1159,7 +722,7 @@
           <p:cNvPr id="1026" name="Picture 2" descr="Image result for AIUB logo">
             <a:extLst>
               <a:ext uri="{FF2B5EF4-FFF2-40B4-BE49-F238E27FC236}">
-                <a16:creationId xmlns="" xmlns:a16="http://schemas.microsoft.com/office/drawing/2014/main" id="{CF3BFD94-6180-4B73-8361-A4B02BAD1757}"/>
+                <a16:creationId xmlns:a16="http://schemas.microsoft.com/office/drawing/2014/main" xmlns="" id="{CF3BFD94-6180-4B73-8361-A4B02BAD1757}"/>
               </a:ext>
             </a:extLst>
           </p:cNvPr>
@@ -8026,7 +7589,7 @@
           <p:cNvPr id="2050" name="Picture 2" descr="Image result for AIUB logo">
             <a:extLst>
               <a:ext uri="{FF2B5EF4-FFF2-40B4-BE49-F238E27FC236}">
-                <a16:creationId xmlns="" xmlns:a16="http://schemas.microsoft.com/office/drawing/2014/main" id="{C28CB252-6044-4564-B6A7-264FC3396E0A}"/>
+                <a16:creationId xmlns:a16="http://schemas.microsoft.com/office/drawing/2014/main" xmlns="" id="{C28CB252-6044-4564-B6A7-264FC3396E0A}"/>
               </a:ext>
             </a:extLst>
           </p:cNvPr>
@@ -8789,7 +8352,7 @@
           <p:cNvPr id="6" name="Table 5">
             <a:extLst>
               <a:ext uri="{FF2B5EF4-FFF2-40B4-BE49-F238E27FC236}">
-                <a16:creationId xmlns="" xmlns:a16="http://schemas.microsoft.com/office/drawing/2014/main" id="{80FA2A77-A004-4F61-9E7E-87FE64C4A23F}"/>
+                <a16:creationId xmlns:a16="http://schemas.microsoft.com/office/drawing/2014/main" xmlns="" id="{80FA2A77-A004-4F61-9E7E-87FE64C4A23F}"/>
               </a:ext>
             </a:extLst>
           </p:cNvPr>
@@ -8818,21 +8381,21 @@
                 <a:gridCol w="4684540">
                   <a:extLst>
                     <a:ext uri="{9D8B030D-6E8A-4147-A177-3AD203B41FA5}">
-                      <a16:colId xmlns="" xmlns:a16="http://schemas.microsoft.com/office/drawing/2014/main" val="794581472"/>
+                      <a16:colId xmlns:a16="http://schemas.microsoft.com/office/drawing/2014/main" xmlns="" val="794581472"/>
                     </a:ext>
                   </a:extLst>
                 </a:gridCol>
                 <a:gridCol w="2250831">
                   <a:extLst>
                     <a:ext uri="{9D8B030D-6E8A-4147-A177-3AD203B41FA5}">
-                      <a16:colId xmlns="" xmlns:a16="http://schemas.microsoft.com/office/drawing/2014/main" val="3106225813"/>
+                      <a16:colId xmlns:a16="http://schemas.microsoft.com/office/drawing/2014/main" xmlns="" val="3106225813"/>
                     </a:ext>
                   </a:extLst>
                 </a:gridCol>
                 <a:gridCol w="1434905">
                   <a:extLst>
                     <a:ext uri="{9D8B030D-6E8A-4147-A177-3AD203B41FA5}">
-                      <a16:colId xmlns="" xmlns:a16="http://schemas.microsoft.com/office/drawing/2014/main" val="3199282456"/>
+                      <a16:colId xmlns:a16="http://schemas.microsoft.com/office/drawing/2014/main" xmlns="" val="3199282456"/>
                     </a:ext>
                   </a:extLst>
                 </a:gridCol>
@@ -8879,7 +8442,7 @@
                 </a:tc>
                 <a:extLst>
                   <a:ext uri="{0D108BD9-81ED-4DB2-BD59-A6C34878D82A}">
-                    <a16:rowId xmlns="" xmlns:a16="http://schemas.microsoft.com/office/drawing/2014/main" val="925189299"/>
+                    <a16:rowId xmlns:a16="http://schemas.microsoft.com/office/drawing/2014/main" xmlns="" val="925189299"/>
                   </a:ext>
                 </a:extLst>
               </a:tr>
@@ -8976,7 +8539,7 @@
                 </a:tc>
                 <a:extLst>
                   <a:ext uri="{0D108BD9-81ED-4DB2-BD59-A6C34878D82A}">
-                    <a16:rowId xmlns="" xmlns:a16="http://schemas.microsoft.com/office/drawing/2014/main" val="2838283429"/>
+                    <a16:rowId xmlns:a16="http://schemas.microsoft.com/office/drawing/2014/main" xmlns="" val="2838283429"/>
                   </a:ext>
                 </a:extLst>
               </a:tr>
@@ -9100,7 +8663,7 @@
                 </a:tc>
                 <a:extLst>
                   <a:ext uri="{0D108BD9-81ED-4DB2-BD59-A6C34878D82A}">
-                    <a16:rowId xmlns="" xmlns:a16="http://schemas.microsoft.com/office/drawing/2014/main" val="3742747497"/>
+                    <a16:rowId xmlns:a16="http://schemas.microsoft.com/office/drawing/2014/main" xmlns="" val="3742747497"/>
                   </a:ext>
                 </a:extLst>
               </a:tr>
@@ -9235,7 +8798,7 @@
                 </a:tc>
                 <a:extLst>
                   <a:ext uri="{0D108BD9-81ED-4DB2-BD59-A6C34878D82A}">
-                    <a16:rowId xmlns="" xmlns:a16="http://schemas.microsoft.com/office/drawing/2014/main" val="2739026912"/>
+                    <a16:rowId xmlns:a16="http://schemas.microsoft.com/office/drawing/2014/main" xmlns="" val="2739026912"/>
                   </a:ext>
                 </a:extLst>
               </a:tr>
@@ -9298,7 +8861,7 @@
                 </a:tc>
                 <a:extLst>
                   <a:ext uri="{0D108BD9-81ED-4DB2-BD59-A6C34878D82A}">
-                    <a16:rowId xmlns="" xmlns:a16="http://schemas.microsoft.com/office/drawing/2014/main" val="2149362666"/>
+                    <a16:rowId xmlns:a16="http://schemas.microsoft.com/office/drawing/2014/main" xmlns="" val="2149362666"/>
                   </a:ext>
                 </a:extLst>
               </a:tr>
@@ -9311,7 +8874,7 @@
           <p:cNvPr id="7" name="Table 6">
             <a:extLst>
               <a:ext uri="{FF2B5EF4-FFF2-40B4-BE49-F238E27FC236}">
-                <a16:creationId xmlns="" xmlns:a16="http://schemas.microsoft.com/office/drawing/2014/main" id="{29FF08AD-7519-4C4A-8E0D-640DF5BB5E58}"/>
+                <a16:creationId xmlns:a16="http://schemas.microsoft.com/office/drawing/2014/main" xmlns="" id="{29FF08AD-7519-4C4A-8E0D-640DF5BB5E58}"/>
               </a:ext>
             </a:extLst>
           </p:cNvPr>
@@ -9340,14 +8903,14 @@
                 <a:gridCol w="1266782">
                   <a:extLst>
                     <a:ext uri="{9D8B030D-6E8A-4147-A177-3AD203B41FA5}">
-                      <a16:colId xmlns="" xmlns:a16="http://schemas.microsoft.com/office/drawing/2014/main" val="3905988420"/>
+                      <a16:colId xmlns:a16="http://schemas.microsoft.com/office/drawing/2014/main" xmlns="" val="3905988420"/>
                     </a:ext>
                   </a:extLst>
                 </a:gridCol>
                 <a:gridCol w="7069015">
                   <a:extLst>
                     <a:ext uri="{9D8B030D-6E8A-4147-A177-3AD203B41FA5}">
-                      <a16:colId xmlns="" xmlns:a16="http://schemas.microsoft.com/office/drawing/2014/main" val="2889894460"/>
+                      <a16:colId xmlns:a16="http://schemas.microsoft.com/office/drawing/2014/main" xmlns="" val="2889894460"/>
                     </a:ext>
                   </a:extLst>
                 </a:gridCol>
@@ -9457,7 +9020,7 @@
                 </a:tc>
                 <a:extLst>
                   <a:ext uri="{0D108BD9-81ED-4DB2-BD59-A6C34878D82A}">
-                    <a16:rowId xmlns="" xmlns:a16="http://schemas.microsoft.com/office/drawing/2014/main" val="2197040212"/>
+                    <a16:rowId xmlns:a16="http://schemas.microsoft.com/office/drawing/2014/main" xmlns="" val="2197040212"/>
                   </a:ext>
                 </a:extLst>
               </a:tr>
@@ -10761,7 +10324,7 @@
           <p:cNvPr id="5" name="Picture 4">
             <a:extLst>
               <a:ext uri="{FF2B5EF4-FFF2-40B4-BE49-F238E27FC236}">
-                <a16:creationId xmlns="" xmlns:a16="http://schemas.microsoft.com/office/drawing/2014/main" id="{552C01E4-A5C8-482E-84C0-506A3F95E1D0}"/>
+                <a16:creationId xmlns:a16="http://schemas.microsoft.com/office/drawing/2014/main" xmlns="" id="{552C01E4-A5C8-482E-84C0-506A3F95E1D0}"/>
               </a:ext>
             </a:extLst>
           </p:cNvPr>
@@ -12912,7 +12475,7 @@
           <p:cNvPr id="5" name="Picture 4">
             <a:extLst>
               <a:ext uri="{FF2B5EF4-FFF2-40B4-BE49-F238E27FC236}">
-                <a16:creationId xmlns="" xmlns:a16="http://schemas.microsoft.com/office/drawing/2014/main" id="{ED6EA63D-E601-4E4C-B77A-D0BCA59E48C8}"/>
+                <a16:creationId xmlns:a16="http://schemas.microsoft.com/office/drawing/2014/main" xmlns="" id="{ED6EA63D-E601-4E4C-B77A-D0BCA59E48C8}"/>
               </a:ext>
             </a:extLst>
           </p:cNvPr>
@@ -13838,7 +13401,7 @@
           <p:cNvPr id="6" name="Picture 5">
             <a:extLst>
               <a:ext uri="{FF2B5EF4-FFF2-40B4-BE49-F238E27FC236}">
-                <a16:creationId xmlns="" xmlns:a16="http://schemas.microsoft.com/office/drawing/2014/main" id="{52F3E734-1C3D-4F6F-8C17-B85A399D6B42}"/>
+                <a16:creationId xmlns:a16="http://schemas.microsoft.com/office/drawing/2014/main" xmlns="" id="{52F3E734-1C3D-4F6F-8C17-B85A399D6B42}"/>
               </a:ext>
             </a:extLst>
           </p:cNvPr>
@@ -13868,7 +13431,7 @@
           <p:cNvPr id="8" name="Picture 7">
             <a:extLst>
               <a:ext uri="{FF2B5EF4-FFF2-40B4-BE49-F238E27FC236}">
-                <a16:creationId xmlns="" xmlns:a16="http://schemas.microsoft.com/office/drawing/2014/main" id="{D7AF8262-3A3B-49CD-8D00-35524A727C2A}"/>
+                <a16:creationId xmlns:a16="http://schemas.microsoft.com/office/drawing/2014/main" xmlns="" id="{D7AF8262-3A3B-49CD-8D00-35524A727C2A}"/>
               </a:ext>
             </a:extLst>
           </p:cNvPr>
@@ -14459,7 +14022,7 @@
           <p:cNvPr id="5" name="Picture 4">
             <a:extLst>
               <a:ext uri="{FF2B5EF4-FFF2-40B4-BE49-F238E27FC236}">
-                <a16:creationId xmlns="" xmlns:a16="http://schemas.microsoft.com/office/drawing/2014/main" id="{A9DF337D-F99F-4BC4-9559-362396D1540A}"/>
+                <a16:creationId xmlns:a16="http://schemas.microsoft.com/office/drawing/2014/main" xmlns="" id="{A9DF337D-F99F-4BC4-9559-362396D1540A}"/>
               </a:ext>
             </a:extLst>
           </p:cNvPr>
@@ -14489,7 +14052,7 @@
           <p:cNvPr id="9" name="Picture 8">
             <a:extLst>
               <a:ext uri="{FF2B5EF4-FFF2-40B4-BE49-F238E27FC236}">
-                <a16:creationId xmlns="" xmlns:a16="http://schemas.microsoft.com/office/drawing/2014/main" id="{F892E1D0-B436-44B9-B7F5-D6BDD8BD55D3}"/>
+                <a16:creationId xmlns:a16="http://schemas.microsoft.com/office/drawing/2014/main" xmlns="" id="{F892E1D0-B436-44B9-B7F5-D6BDD8BD55D3}"/>
               </a:ext>
             </a:extLst>
           </p:cNvPr>
@@ -15532,7 +15095,7 @@
           <p:cNvPr id="6" name="Picture 5">
             <a:extLst>
               <a:ext uri="{FF2B5EF4-FFF2-40B4-BE49-F238E27FC236}">
-                <a16:creationId xmlns="" xmlns:a16="http://schemas.microsoft.com/office/drawing/2014/main" id="{393B6AD9-385D-4DF5-99E0-E51E55BF93B7}"/>
+                <a16:creationId xmlns:a16="http://schemas.microsoft.com/office/drawing/2014/main" xmlns="" id="{393B6AD9-385D-4DF5-99E0-E51E55BF93B7}"/>
               </a:ext>
             </a:extLst>
           </p:cNvPr>
@@ -15562,7 +15125,7 @@
           <p:cNvPr id="8" name="Picture 7">
             <a:extLst>
               <a:ext uri="{FF2B5EF4-FFF2-40B4-BE49-F238E27FC236}">
-                <a16:creationId xmlns="" xmlns:a16="http://schemas.microsoft.com/office/drawing/2014/main" id="{F643A4D0-6F9E-4E77-855D-079AFAAD20D6}"/>
+                <a16:creationId xmlns:a16="http://schemas.microsoft.com/office/drawing/2014/main" xmlns="" id="{F643A4D0-6F9E-4E77-855D-079AFAAD20D6}"/>
               </a:ext>
             </a:extLst>
           </p:cNvPr>
@@ -15592,7 +15155,7 @@
           <p:cNvPr id="11" name="Picture 10">
             <a:extLst>
               <a:ext uri="{FF2B5EF4-FFF2-40B4-BE49-F238E27FC236}">
-                <a16:creationId xmlns="" xmlns:a16="http://schemas.microsoft.com/office/drawing/2014/main" id="{257F0B3C-F89D-41F2-80F6-9DFDD396030E}"/>
+                <a16:creationId xmlns:a16="http://schemas.microsoft.com/office/drawing/2014/main" xmlns="" id="{257F0B3C-F89D-41F2-80F6-9DFDD396030E}"/>
               </a:ext>
             </a:extLst>
           </p:cNvPr>
@@ -16277,7 +15840,7 @@
         </p:spPr>
         <p:txBody>
           <a:bodyPr>
-            <a:normAutofit fontScale="85000" lnSpcReduction="20000"/>
+            <a:normAutofit/>
           </a:bodyPr>
           <a:lstStyle>
             <a:lvl1pPr marL="454025" indent="-454025" algn="l" defTabSz="914400" rtl="0" eaLnBrk="1" latinLnBrk="0" hangingPunct="1">
@@ -16506,83 +16069,38 @@
               <a:buNone/>
             </a:pPr>
             <a:r>
-              <a:rPr lang="en-US" sz="1800" i="1" dirty="0">
+              <a:rPr lang="en-US" sz="1800" b="1" i="1" dirty="0" smtClean="0">
                 <a:solidFill>
                   <a:srgbClr val="000000"/>
                 </a:solidFill>
               </a:rPr>
-              <a:t>Different tests and experiments have been left for the future due to the lack of time (i.e. the experiments with real data are usually very time consuming, sometimes requiring even days to finish a single run). Future work concerns the deeper analysis of particular mechanisms or simply curiosity. </a:t>
-            </a:r>
-          </a:p>
-          <a:p>
-            <a:pPr marL="0" indent="0">
-              <a:buNone/>
-            </a:pPr>
-            <a:r>
-              <a:rPr lang="en-US" sz="1800" i="1" dirty="0">
+              <a:t>There </a:t>
+            </a:r>
+            <a:r>
+              <a:rPr lang="en-US" sz="1800" b="1" i="1" dirty="0">
                 <a:solidFill>
                   <a:srgbClr val="000000"/>
                 </a:solidFill>
               </a:rPr>
-              <a:t>There are some improvements we can do to further improve our system. </a:t>
-            </a:r>
-          </a:p>
-          <a:p>
-            <a:r>
-              <a:rPr lang="en-US" sz="1800" i="1" dirty="0">
+              <a:t>are some improvements we can do to further improve our </a:t>
+            </a:r>
+            <a:r>
+              <a:rPr lang="en-US" sz="1800" b="1" i="1" dirty="0" smtClean="0">
                 <a:solidFill>
                   <a:srgbClr val="000000"/>
                 </a:solidFill>
               </a:rPr>
-              <a:t>custom-made dataset for training.</a:t>
-            </a:r>
-          </a:p>
-          <a:p>
-            <a:r>
-              <a:rPr lang="en-US" sz="1800" i="1" dirty="0">
+              <a:t>system</a:t>
+            </a:r>
+            <a:r>
+              <a:rPr lang="en-US" sz="1800" b="1" dirty="0" smtClean="0">
                 <a:solidFill>
                   <a:srgbClr val="000000"/>
                 </a:solidFill>
               </a:rPr>
-              <a:t>custom model for text </a:t>
-            </a:r>
-            <a:r>
-              <a:rPr lang="en-US" sz="1800" i="1" dirty="0" smtClean="0">
-                <a:solidFill>
-                  <a:srgbClr val="000000"/>
-                </a:solidFill>
-              </a:rPr>
-              <a:t>recognition/Predict emotion.</a:t>
-            </a:r>
-          </a:p>
-          <a:p>
-            <a:r>
-              <a:rPr lang="en-US" sz="1800" i="1" dirty="0" smtClean="0">
-                <a:solidFill>
-                  <a:srgbClr val="000000"/>
-                </a:solidFill>
-              </a:rPr>
-              <a:t>Detect Emotion of individual moment combining both data</a:t>
-            </a:r>
-            <a:r>
-              <a:rPr lang="en-US" sz="1800" i="1" dirty="0" smtClean="0">
-                <a:solidFill>
-                  <a:srgbClr val="000000"/>
-                </a:solidFill>
-              </a:rPr>
-              <a:t>.</a:t>
-            </a:r>
-          </a:p>
-          <a:p>
-            <a:r>
-              <a:rPr lang="en-US" sz="1800" i="1" dirty="0" smtClean="0">
-                <a:solidFill>
-                  <a:srgbClr val="000000"/>
-                </a:solidFill>
-              </a:rPr>
-              <a:t>Ability to predict results of moving objects in real-time.</a:t>
-            </a:r>
-            <a:endParaRPr lang="en-US" sz="1800" i="1" dirty="0" smtClean="0">
+              <a:t>:</a:t>
+            </a:r>
+            <a:endParaRPr lang="en-US" sz="1800" b="1" dirty="0">
               <a:solidFill>
                 <a:srgbClr val="000000"/>
               </a:solidFill>
@@ -16590,20 +16108,60 @@
           </a:p>
           <a:p>
             <a:r>
+              <a:rPr lang="en-US" sz="1800" i="1" dirty="0">
+                <a:solidFill>
+                  <a:srgbClr val="000000"/>
+                </a:solidFill>
+              </a:rPr>
+              <a:t>custom-made dataset for training.</a:t>
+            </a:r>
+          </a:p>
+          <a:p>
+            <a:r>
+              <a:rPr lang="en-US" sz="1800" i="1" dirty="0">
+                <a:solidFill>
+                  <a:srgbClr val="000000"/>
+                </a:solidFill>
+              </a:rPr>
+              <a:t>custom model for text </a:t>
+            </a:r>
+            <a:r>
               <a:rPr lang="en-US" sz="1800" i="1" dirty="0" smtClean="0">
                 <a:solidFill>
                   <a:srgbClr val="000000"/>
                 </a:solidFill>
               </a:rPr>
-              <a:t>Increase range of Emotional predictions such as: drive, threatened, tensed, </a:t>
-            </a:r>
+              <a:t>recognition/Predict emotion.</a:t>
+            </a:r>
+          </a:p>
+          <a:p>
             <a:r>
               <a:rPr lang="en-US" sz="1800" i="1" dirty="0" smtClean="0">
                 <a:solidFill>
                   <a:srgbClr val="000000"/>
                 </a:solidFill>
               </a:rPr>
-              <a:t>motivated, Contempt</a:t>
+              <a:t>Detect Emotion of individual moment combining both data.</a:t>
+            </a:r>
+          </a:p>
+          <a:p>
+            <a:r>
+              <a:rPr lang="en-US" sz="1800" i="1" dirty="0" smtClean="0">
+                <a:solidFill>
+                  <a:srgbClr val="000000"/>
+                </a:solidFill>
+              </a:rPr>
+              <a:t>Ability to predict results of moving objects in real-time.</a:t>
+            </a:r>
+          </a:p>
+          <a:p>
+            <a:r>
+              <a:rPr lang="en-US" sz="1800" i="1" dirty="0" smtClean="0">
+                <a:solidFill>
+                  <a:srgbClr val="000000"/>
+                </a:solidFill>
+              </a:rPr>
+              <a:t>Increase range of Emotional predictions such as: drive, threatened, tensed, motivated, Contempt</a:t>
             </a:r>
             <a:r>
               <a:rPr lang="en-US" sz="1800" i="1" dirty="0">
@@ -17210,7 +16768,7 @@
           <p:cNvPr id="3" name="Subtitle 2">
             <a:extLst>
               <a:ext uri="{FF2B5EF4-FFF2-40B4-BE49-F238E27FC236}">
-                <a16:creationId xmlns="" xmlns:a16="http://schemas.microsoft.com/office/drawing/2014/main" id="{CB6E0A76-7DD3-4E99-B48E-7105413A7842}"/>
+                <a16:creationId xmlns:a16="http://schemas.microsoft.com/office/drawing/2014/main" xmlns="" id="{CB6E0A76-7DD3-4E99-B48E-7105413A7842}"/>
               </a:ext>
             </a:extLst>
           </p:cNvPr>
@@ -18076,7 +17634,7 @@
           <p:cNvPr id="3" name="Subtitle 2">
             <a:extLst>
               <a:ext uri="{FF2B5EF4-FFF2-40B4-BE49-F238E27FC236}">
-                <a16:creationId xmlns="" xmlns:a16="http://schemas.microsoft.com/office/drawing/2014/main" id="{CB6E0A76-7DD3-4E99-B48E-7105413A7842}"/>
+                <a16:creationId xmlns:a16="http://schemas.microsoft.com/office/drawing/2014/main" xmlns="" id="{CB6E0A76-7DD3-4E99-B48E-7105413A7842}"/>
               </a:ext>
             </a:extLst>
           </p:cNvPr>
@@ -18798,7 +18356,7 @@
           <p:cNvPr id="3" name="Subtitle 2">
             <a:extLst>
               <a:ext uri="{FF2B5EF4-FFF2-40B4-BE49-F238E27FC236}">
-                <a16:creationId xmlns="" xmlns:a16="http://schemas.microsoft.com/office/drawing/2014/main" id="{CB6E0A76-7DD3-4E99-B48E-7105413A7842}"/>
+                <a16:creationId xmlns:a16="http://schemas.microsoft.com/office/drawing/2014/main" xmlns="" id="{CB6E0A76-7DD3-4E99-B48E-7105413A7842}"/>
               </a:ext>
             </a:extLst>
           </p:cNvPr>
@@ -19588,7 +19146,7 @@
           <p:cNvPr id="3" name="Subtitle 2">
             <a:extLst>
               <a:ext uri="{FF2B5EF4-FFF2-40B4-BE49-F238E27FC236}">
-                <a16:creationId xmlns="" xmlns:a16="http://schemas.microsoft.com/office/drawing/2014/main" id="{CB6E0A76-7DD3-4E99-B48E-7105413A7842}"/>
+                <a16:creationId xmlns:a16="http://schemas.microsoft.com/office/drawing/2014/main" xmlns="" id="{CB6E0A76-7DD3-4E99-B48E-7105413A7842}"/>
               </a:ext>
             </a:extLst>
           </p:cNvPr>
@@ -20382,7 +19940,7 @@
           <p:cNvPr id="3" name="Subtitle 2">
             <a:extLst>
               <a:ext uri="{FF2B5EF4-FFF2-40B4-BE49-F238E27FC236}">
-                <a16:creationId xmlns="" xmlns:a16="http://schemas.microsoft.com/office/drawing/2014/main" id="{CB6E0A76-7DD3-4E99-B48E-7105413A7842}"/>
+                <a16:creationId xmlns:a16="http://schemas.microsoft.com/office/drawing/2014/main" xmlns="" id="{CB6E0A76-7DD3-4E99-B48E-7105413A7842}"/>
               </a:ext>
             </a:extLst>
           </p:cNvPr>
@@ -21528,7 +21086,7 @@
         </p:spPr>
         <p:txBody>
           <a:bodyPr>
-            <a:normAutofit fontScale="92500" lnSpcReduction="20000"/>
+            <a:normAutofit fontScale="92500"/>
           </a:bodyPr>
           <a:lstStyle>
             <a:lvl1pPr marL="454025" indent="-454025" algn="l" defTabSz="914400" rtl="0" eaLnBrk="1" latinLnBrk="0" hangingPunct="1">
@@ -21795,27 +21353,38 @@
             </a:r>
           </a:p>
           <a:p>
-            <a:pPr marL="0" indent="0" algn="ctr">
-              <a:buNone/>
-            </a:pPr>
+            <a:pPr algn="just"/>
+            <a:r>
+              <a:rPr lang="en-GB" sz="1800" i="1" dirty="0">
+                <a:solidFill>
+                  <a:srgbClr val="000000"/>
+                </a:solidFill>
+              </a:rPr>
+              <a:t>W</a:t>
+            </a:r>
             <a:r>
               <a:rPr lang="en-GB" sz="1800" i="1" dirty="0" smtClean="0">
                 <a:solidFill>
                   <a:srgbClr val="000000"/>
                 </a:solidFill>
               </a:rPr>
-              <a:t>So,</a:t>
-            </a:r>
-          </a:p>
-          <a:p>
-            <a:pPr algn="just"/>
+              <a:t>e </a:t>
+            </a:r>
+            <a:r>
+              <a:rPr lang="en-GB" sz="1800" i="1" dirty="0">
+                <a:solidFill>
+                  <a:srgbClr val="000000"/>
+                </a:solidFill>
+              </a:rPr>
+              <a:t>have tried to develop a system to predict emotion from both users' </a:t>
+            </a:r>
             <a:r>
               <a:rPr lang="en-GB" sz="1800" i="1" dirty="0" smtClean="0">
                 <a:solidFill>
                   <a:srgbClr val="000000"/>
                 </a:solidFill>
               </a:rPr>
-              <a:t> </a:t>
+              <a:t>facial data </a:t>
             </a:r>
             <a:r>
               <a:rPr lang="en-GB" sz="1800" i="1" dirty="0">
@@ -21823,7 +21392,7 @@
                   <a:srgbClr val="000000"/>
                 </a:solidFill>
               </a:rPr>
-              <a:t>Here, we have tried to develop a system to predict emotion from both users' facial data and also voice data to get a more precise prediction of the </a:t>
+              <a:t>and also voice data to get a more precise prediction of the </a:t>
             </a:r>
             <a:r>
               <a:rPr lang="en-GB" sz="1800" i="1" dirty="0" smtClean="0">
@@ -22443,9 +22012,7 @@
             </a:endParaRPr>
           </a:p>
           <a:p>
-            <a:pPr marL="0" indent="0">
-              <a:buNone/>
-            </a:pPr>
+            <a:pPr algn="just"/>
             <a:r>
               <a:rPr lang="en-US" sz="1800" b="0" i="1" u="none" strike="noStrike" baseline="0" dirty="0" smtClean="0">
                 <a:solidFill>
@@ -22460,28 +22027,7 @@
                   <a:srgbClr val="000000"/>
                 </a:solidFill>
               </a:rPr>
-              <a:t>market for emotion-detection technology is worth approximately $21.6bn, and its value is prognosticated to more than double by 2024, relinquishing $56bn. Businesses can purchase systems to help them vet job applicants, analyze advertisements for their sentimental impression and test criminal defendants for signs of fraud</a:t>
-            </a:r>
-            <a:r>
-              <a:rPr lang="en-US" sz="1800" b="0" i="1" u="none" strike="noStrike" baseline="0" dirty="0" smtClean="0">
-                <a:solidFill>
-                  <a:srgbClr val="000000"/>
-                </a:solidFill>
-              </a:rPr>
-              <a:t>.</a:t>
-            </a:r>
-          </a:p>
-          <a:p>
-            <a:pPr marL="0" indent="0">
-              <a:buNone/>
-            </a:pPr>
-            <a:r>
-              <a:rPr lang="en-US" sz="1800" i="1" dirty="0">
-                <a:solidFill>
-                  <a:srgbClr val="000000"/>
-                </a:solidFill>
-              </a:rPr>
-              <a:t>The importance of Emotional state apprehension is widely perceived in social interaction and social intelligence. This analysis has been an active research topic since the 19th century.</a:t>
+              <a:t>market for emotion-detection technology is worth approximately $21.6bn, and its value is prognosticated to more than double by 2024, relinquishing $56bn. </a:t>
             </a:r>
             <a:endParaRPr lang="en-US" sz="1800" b="0" i="1" u="none" strike="noStrike" baseline="0" dirty="0" smtClean="0">
               <a:solidFill>
@@ -22490,20 +22036,34 @@
             </a:endParaRPr>
           </a:p>
           <a:p>
-            <a:pPr marL="0" indent="0">
-              <a:buNone/>
-            </a:pPr>
+            <a:pPr algn="just"/>
             <a:r>
               <a:rPr lang="en-US" sz="1800" i="1" dirty="0" smtClean="0">
                 <a:solidFill>
                   <a:srgbClr val="000000"/>
                 </a:solidFill>
               </a:rPr>
-              <a:t>Though its importance is vast and huge amount is invested, the system has yet to be in its perfect form. </a:t>
-            </a:r>
-            <a:endParaRPr lang="en-US" sz="1800" i="1" dirty="0">
+              <a:t>The </a:t>
+            </a:r>
+            <a:r>
+              <a:rPr lang="en-US" sz="1800" i="1" dirty="0">
+                <a:solidFill>
+                  <a:srgbClr val="000000"/>
+                </a:solidFill>
+              </a:rPr>
+              <a:t>importance of Emotional state apprehension is widely perceived in social interaction and social intelligence. This analysis has been an active research topic since the 19th century</a:t>
+            </a:r>
+            <a:r>
+              <a:rPr lang="en-US" sz="1800" i="1" dirty="0" smtClean="0">
+                <a:solidFill>
+                  <a:srgbClr val="000000"/>
+                </a:solidFill>
+              </a:rPr>
+              <a:t>.</a:t>
+            </a:r>
+            <a:endParaRPr lang="en-US" sz="1800" b="0" i="1" u="none" strike="noStrike" baseline="0" dirty="0" smtClean="0">
               <a:solidFill>
-                <a:schemeClr val="tx1"/>
+                <a:srgbClr val="000000"/>
               </a:solidFill>
             </a:endParaRPr>
           </a:p>
@@ -22826,7 +22386,7 @@
         </p:spPr>
         <p:txBody>
           <a:bodyPr>
-            <a:normAutofit lnSpcReduction="10000"/>
+            <a:normAutofit/>
           </a:bodyPr>
           <a:lstStyle>
             <a:lvl1pPr marL="454025" indent="-454025" algn="l" defTabSz="914400" rtl="0" eaLnBrk="1" latinLnBrk="0" hangingPunct="1">
@@ -23154,26 +22714,6 @@
               <a:rPr lang="en-US" sz="1800" i="1" dirty="0"/>
               <a:t>The scholars in Paper [5] do an experimental analysis of different approaches to tackle the problem of sentence-level emotion tagging. They use five approaches, which include four knowledge-based ideas and one corpus-based idea. </a:t>
             </a:r>
-          </a:p>
-          <a:p>
-            <a:pPr marL="0" indent="0" algn="just">
-              <a:buNone/>
-            </a:pPr>
-            <a:endParaRPr lang="en-US" sz="1800" i="1" dirty="0"/>
-          </a:p>
-          <a:p>
-            <a:pPr marL="0" indent="0" algn="ctr">
-              <a:buNone/>
-            </a:pPr>
-            <a:r>
-              <a:rPr lang="en-US" sz="1800" i="1" dirty="0"/>
-              <a:t>this paper [5] uses a machine-learning classifier, Naive Bayes that is trained on random social experiment videos to incorporate emotion in a labeled data set. This approach is more practical and has been employed similarly in our model. </a:t>
-            </a:r>
-            <a:endParaRPr lang="en-US" sz="1800" i="1" dirty="0">
-              <a:solidFill>
-                <a:schemeClr val="tx1"/>
-              </a:solidFill>
-            </a:endParaRPr>
           </a:p>
         </p:txBody>
       </p:sp>
@@ -23718,86 +23258,20 @@
               <a:buNone/>
             </a:pPr>
             <a:r>
-              <a:rPr lang="en-US" sz="1800" b="0" i="1" u="none" strike="noStrike" baseline="0" dirty="0">
+              <a:rPr lang="en-US" sz="1800" b="1" i="1" u="sng" strike="noStrike" baseline="0" dirty="0" smtClean="0">
                 <a:solidFill>
                   <a:srgbClr val="000000"/>
                 </a:solidFill>
               </a:rPr>
-              <a:t>Emotion can be classified into several static classifications like happiness, sadness, disgust, anger, fear, and surprise. It can be further improved by combining the </a:t>
-            </a:r>
-            <a:r>
-              <a:rPr lang="en-US" sz="1800" b="0" i="1" u="none" strike="noStrike" baseline="0" dirty="0" smtClean="0">
+              <a:t>Convolutional </a:t>
+            </a:r>
+            <a:r>
+              <a:rPr lang="en-US" sz="1800" b="1" i="1" u="sng" strike="noStrike" baseline="0" dirty="0" smtClean="0">
                 <a:solidFill>
                   <a:srgbClr val="000000"/>
                 </a:solidFill>
               </a:rPr>
-              <a:t>image</a:t>
-            </a:r>
-            <a:r>
-              <a:rPr lang="en-US" sz="1800" i="1" dirty="0">
-                <a:solidFill>
-                  <a:srgbClr val="000000"/>
-                </a:solidFill>
-              </a:rPr>
-              <a:t> </a:t>
-            </a:r>
-            <a:r>
-              <a:rPr lang="en-US" sz="1800" i="1" dirty="0" smtClean="0">
-                <a:solidFill>
-                  <a:srgbClr val="000000"/>
-                </a:solidFill>
-              </a:rPr>
-              <a:t>&amp;</a:t>
-            </a:r>
-            <a:r>
-              <a:rPr lang="en-US" sz="1800" b="0" i="1" u="none" strike="noStrike" baseline="0" dirty="0" smtClean="0">
-                <a:solidFill>
-                  <a:srgbClr val="000000"/>
-                </a:solidFill>
-              </a:rPr>
-              <a:t> voice</a:t>
-            </a:r>
-            <a:r>
-              <a:rPr lang="en-US" sz="1800" b="0" i="1" u="none" strike="noStrike" dirty="0" smtClean="0">
-                <a:solidFill>
-                  <a:srgbClr val="000000"/>
-                </a:solidFill>
-              </a:rPr>
-              <a:t> </a:t>
-            </a:r>
-            <a:r>
-              <a:rPr lang="en-US" sz="1800" b="0" i="1" u="none" strike="noStrike" baseline="0" dirty="0" smtClean="0">
-                <a:solidFill>
-                  <a:srgbClr val="000000"/>
-                </a:solidFill>
-              </a:rPr>
-              <a:t>data</a:t>
-            </a:r>
-            <a:r>
-              <a:rPr lang="en-US" sz="1800" b="0" i="1" u="none" strike="noStrike" baseline="0" dirty="0">
-                <a:solidFill>
-                  <a:srgbClr val="000000"/>
-                </a:solidFill>
-              </a:rPr>
-              <a:t>.</a:t>
-            </a:r>
-            <a:endParaRPr lang="en-US" sz="1800" i="1" dirty="0">
-              <a:solidFill>
-                <a:schemeClr val="tx1"/>
-              </a:solidFill>
-            </a:endParaRPr>
-          </a:p>
-          <a:p>
-            <a:pPr marL="0" indent="0">
-              <a:buNone/>
-            </a:pPr>
-            <a:r>
-              <a:rPr lang="en-US" sz="1800" b="1" i="1" u="sng" strike="noStrike" baseline="0" dirty="0" smtClean="0">
-                <a:solidFill>
-                  <a:srgbClr val="000000"/>
-                </a:solidFill>
-              </a:rPr>
-              <a:t>Convolutional Neural Network: </a:t>
+              <a:t>Neural Network: </a:t>
             </a:r>
             <a:r>
               <a:rPr lang="en-US" sz="1800" b="0" i="1" u="none" strike="noStrike" baseline="0" dirty="0">
@@ -23820,7 +23294,7 @@
           <p:cNvPr id="4" name="Picture 3">
             <a:extLst>
               <a:ext uri="{FF2B5EF4-FFF2-40B4-BE49-F238E27FC236}">
-                <a16:creationId xmlns="" xmlns:a16="http://schemas.microsoft.com/office/drawing/2014/main" id="{398460DE-BA20-405D-A792-2DEACC581179}"/>
+                <a16:creationId xmlns:a16="http://schemas.microsoft.com/office/drawing/2014/main" xmlns="" id="{398460DE-BA20-405D-A792-2DEACC581179}"/>
               </a:ext>
             </a:extLst>
           </p:cNvPr>
@@ -23837,8 +23311,8 @@
         </p:blipFill>
         <p:spPr>
           <a:xfrm>
-            <a:off x="1579496" y="3584123"/>
-            <a:ext cx="4762038" cy="2053369"/>
+            <a:off x="1291824" y="2981240"/>
+            <a:ext cx="5841451" cy="2518807"/>
           </a:xfrm>
           <a:prstGeom prst="rect">
             <a:avLst/>
@@ -24412,7 +23886,7 @@
                   <a:srgbClr val="000000"/>
                 </a:solidFill>
               </a:rPr>
-              <a:t>Classification of facial expression can sometimes be difficult, surprisingly for humans also. It is shown on several researches that people might recognize different emotions for the same facial expression.</a:t>
+              <a:t>Classification of facial expression can sometimes be difficult, surprisingly for humans also. </a:t>
             </a:r>
           </a:p>
           <a:p>
@@ -25780,7 +25254,7 @@
           <p:cNvPr id="5" name="Picture 4">
             <a:extLst>
               <a:ext uri="{FF2B5EF4-FFF2-40B4-BE49-F238E27FC236}">
-                <a16:creationId xmlns="" xmlns:a16="http://schemas.microsoft.com/office/drawing/2014/main" id="{43FFE1AA-ECB8-41D0-A986-3E12F7D04B54}"/>
+                <a16:creationId xmlns:a16="http://schemas.microsoft.com/office/drawing/2014/main" xmlns="" id="{43FFE1AA-ECB8-41D0-A986-3E12F7D04B54}"/>
               </a:ext>
             </a:extLst>
           </p:cNvPr>
@@ -26099,292 +25573,13 @@
 </a:theme>
 </file>
 
-<file path=ppt/theme/theme2.xml><?xml version="1.0" encoding="utf-8"?>
-<a:theme xmlns:a="http://schemas.openxmlformats.org/drawingml/2006/main" name="Office Theme">
-  <a:themeElements>
-    <a:clrScheme name="Office">
-      <a:dk1>
-        <a:sysClr val="windowText" lastClr="000000"/>
-      </a:dk1>
-      <a:lt1>
-        <a:sysClr val="window" lastClr="FFFFFF"/>
-      </a:lt1>
-      <a:dk2>
-        <a:srgbClr val="1F497D"/>
-      </a:dk2>
-      <a:lt2>
-        <a:srgbClr val="EEECE1"/>
-      </a:lt2>
-      <a:accent1>
-        <a:srgbClr val="4F81BD"/>
-      </a:accent1>
-      <a:accent2>
-        <a:srgbClr val="C0504D"/>
-      </a:accent2>
-      <a:accent3>
-        <a:srgbClr val="9BBB59"/>
-      </a:accent3>
-      <a:accent4>
-        <a:srgbClr val="8064A2"/>
-      </a:accent4>
-      <a:accent5>
-        <a:srgbClr val="4BACC6"/>
-      </a:accent5>
-      <a:accent6>
-        <a:srgbClr val="F79646"/>
-      </a:accent6>
-      <a:hlink>
-        <a:srgbClr val="0000FF"/>
-      </a:hlink>
-      <a:folHlink>
-        <a:srgbClr val="800080"/>
-      </a:folHlink>
-    </a:clrScheme>
-    <a:fontScheme name="Office">
-      <a:majorFont>
-        <a:latin typeface="Calibri"/>
-        <a:ea typeface=""/>
-        <a:cs typeface=""/>
-        <a:font script="Jpan" typeface="ＭＳ Ｐゴシック"/>
-        <a:font script="Hang" typeface="맑은 고딕"/>
-        <a:font script="Hans" typeface="宋体"/>
-        <a:font script="Hant" typeface="新細明體"/>
-        <a:font script="Arab" typeface="Times New Roman"/>
-        <a:font script="Hebr" typeface="Times New Roman"/>
-        <a:font script="Thai" typeface="Angsana New"/>
-        <a:font script="Ethi" typeface="Nyala"/>
-        <a:font script="Beng" typeface="Vrinda"/>
-        <a:font script="Gujr" typeface="Shruti"/>
-        <a:font script="Khmr" typeface="MoolBoran"/>
-        <a:font script="Knda" typeface="Tunga"/>
-        <a:font script="Guru" typeface="Raavi"/>
-        <a:font script="Cans" typeface="Euphemia"/>
-        <a:font script="Cher" typeface="Plantagenet Cherokee"/>
-        <a:font script="Yiii" typeface="Microsoft Yi Baiti"/>
-        <a:font script="Tibt" typeface="Microsoft Himalaya"/>
-        <a:font script="Thaa" typeface="MV Boli"/>
-        <a:font script="Deva" typeface="Mangal"/>
-        <a:font script="Telu" typeface="Gautami"/>
-        <a:font script="Taml" typeface="Latha"/>
-        <a:font script="Syrc" typeface="Estrangelo Edessa"/>
-        <a:font script="Orya" typeface="Kalinga"/>
-        <a:font script="Mlym" typeface="Kartika"/>
-        <a:font script="Laoo" typeface="DokChampa"/>
-        <a:font script="Sinh" typeface="Iskoola Pota"/>
-        <a:font script="Mong" typeface="Mongolian Baiti"/>
-        <a:font script="Viet" typeface="Times New Roman"/>
-        <a:font script="Uigh" typeface="Microsoft Uighur"/>
-        <a:font script="Geor" typeface="Sylfaen"/>
-      </a:majorFont>
-      <a:minorFont>
-        <a:latin typeface="Calibri"/>
-        <a:ea typeface=""/>
-        <a:cs typeface=""/>
-        <a:font script="Jpan" typeface="ＭＳ Ｐゴシック"/>
-        <a:font script="Hang" typeface="맑은 고딕"/>
-        <a:font script="Hans" typeface="宋体"/>
-        <a:font script="Hant" typeface="新細明體"/>
-        <a:font script="Arab" typeface="Arial"/>
-        <a:font script="Hebr" typeface="Arial"/>
-        <a:font script="Thai" typeface="Cordia New"/>
-        <a:font script="Ethi" typeface="Nyala"/>
-        <a:font script="Beng" typeface="Vrinda"/>
-        <a:font script="Gujr" typeface="Shruti"/>
-        <a:font script="Khmr" typeface="DaunPenh"/>
-        <a:font script="Knda" typeface="Tunga"/>
-        <a:font script="Guru" typeface="Raavi"/>
-        <a:font script="Cans" typeface="Euphemia"/>
-        <a:font script="Cher" typeface="Plantagenet Cherokee"/>
-        <a:font script="Yiii" typeface="Microsoft Yi Baiti"/>
-        <a:font script="Tibt" typeface="Microsoft Himalaya"/>
-        <a:font script="Thaa" typeface="MV Boli"/>
-        <a:font script="Deva" typeface="Mangal"/>
-        <a:font script="Telu" typeface="Gautami"/>
-        <a:font script="Taml" typeface="Latha"/>
-        <a:font script="Syrc" typeface="Estrangelo Edessa"/>
-        <a:font script="Orya" typeface="Kalinga"/>
-        <a:font script="Mlym" typeface="Kartika"/>
-        <a:font script="Laoo" typeface="DokChampa"/>
-        <a:font script="Sinh" typeface="Iskoola Pota"/>
-        <a:font script="Mong" typeface="Mongolian Baiti"/>
-        <a:font script="Viet" typeface="Arial"/>
-        <a:font script="Uigh" typeface="Microsoft Uighur"/>
-        <a:font script="Geor" typeface="Sylfaen"/>
-      </a:minorFont>
-    </a:fontScheme>
-    <a:fmtScheme name="Office">
-      <a:fillStyleLst>
-        <a:solidFill>
-          <a:schemeClr val="phClr"/>
-        </a:solidFill>
-        <a:gradFill rotWithShape="1">
-          <a:gsLst>
-            <a:gs pos="0">
-              <a:schemeClr val="phClr">
-                <a:tint val="50000"/>
-                <a:satMod val="300000"/>
-              </a:schemeClr>
-            </a:gs>
-            <a:gs pos="35000">
-              <a:schemeClr val="phClr">
-                <a:tint val="37000"/>
-                <a:satMod val="300000"/>
-              </a:schemeClr>
-            </a:gs>
-            <a:gs pos="100000">
-              <a:schemeClr val="phClr">
-                <a:tint val="15000"/>
-                <a:satMod val="350000"/>
-              </a:schemeClr>
-            </a:gs>
-          </a:gsLst>
-          <a:lin ang="16200000" scaled="1"/>
-        </a:gradFill>
-        <a:gradFill rotWithShape="1">
-          <a:gsLst>
-            <a:gs pos="0">
-              <a:schemeClr val="phClr">
-                <a:shade val="51000"/>
-                <a:satMod val="130000"/>
-              </a:schemeClr>
-            </a:gs>
-            <a:gs pos="80000">
-              <a:schemeClr val="phClr">
-                <a:shade val="93000"/>
-                <a:satMod val="130000"/>
-              </a:schemeClr>
-            </a:gs>
-            <a:gs pos="100000">
-              <a:schemeClr val="phClr">
-                <a:shade val="94000"/>
-                <a:satMod val="135000"/>
-              </a:schemeClr>
-            </a:gs>
-          </a:gsLst>
-          <a:lin ang="16200000" scaled="0"/>
-        </a:gradFill>
-      </a:fillStyleLst>
-      <a:lnStyleLst>
-        <a:ln w="9525" cap="flat" cmpd="sng" algn="ctr">
-          <a:solidFill>
-            <a:schemeClr val="phClr">
-              <a:shade val="95000"/>
-              <a:satMod val="105000"/>
-            </a:schemeClr>
-          </a:solidFill>
-          <a:prstDash val="solid"/>
-        </a:ln>
-        <a:ln w="25400" cap="flat" cmpd="sng" algn="ctr">
-          <a:solidFill>
-            <a:schemeClr val="phClr"/>
-          </a:solidFill>
-          <a:prstDash val="solid"/>
-        </a:ln>
-        <a:ln w="38100" cap="flat" cmpd="sng" algn="ctr">
-          <a:solidFill>
-            <a:schemeClr val="phClr"/>
-          </a:solidFill>
-          <a:prstDash val="solid"/>
-        </a:ln>
-      </a:lnStyleLst>
-      <a:effectStyleLst>
-        <a:effectStyle>
-          <a:effectLst>
-            <a:outerShdw blurRad="40000" dist="20000" dir="5400000" rotWithShape="0">
-              <a:srgbClr val="000000">
-                <a:alpha val="38000"/>
-              </a:srgbClr>
-            </a:outerShdw>
-          </a:effectLst>
-        </a:effectStyle>
-        <a:effectStyle>
-          <a:effectLst>
-            <a:outerShdw blurRad="40000" dist="23000" dir="5400000" rotWithShape="0">
-              <a:srgbClr val="000000">
-                <a:alpha val="35000"/>
-              </a:srgbClr>
-            </a:outerShdw>
-          </a:effectLst>
-        </a:effectStyle>
-        <a:effectStyle>
-          <a:effectLst>
-            <a:outerShdw blurRad="40000" dist="23000" dir="5400000" rotWithShape="0">
-              <a:srgbClr val="000000">
-                <a:alpha val="35000"/>
-              </a:srgbClr>
-            </a:outerShdw>
-          </a:effectLst>
-          <a:scene3d>
-            <a:camera prst="orthographicFront">
-              <a:rot lat="0" lon="0" rev="0"/>
-            </a:camera>
-            <a:lightRig rig="threePt" dir="t">
-              <a:rot lat="0" lon="0" rev="1200000"/>
-            </a:lightRig>
-          </a:scene3d>
-          <a:sp3d>
-            <a:bevelT w="63500" h="25400"/>
-          </a:sp3d>
-        </a:effectStyle>
-      </a:effectStyleLst>
-      <a:bgFillStyleLst>
-        <a:solidFill>
-          <a:schemeClr val="phClr"/>
-        </a:solidFill>
-        <a:gradFill rotWithShape="1">
-          <a:gsLst>
-            <a:gs pos="0">
-              <a:schemeClr val="phClr">
-                <a:tint val="40000"/>
-                <a:satMod val="350000"/>
-              </a:schemeClr>
-            </a:gs>
-            <a:gs pos="40000">
-              <a:schemeClr val="phClr">
-                <a:tint val="45000"/>
-                <a:shade val="99000"/>
-                <a:satMod val="350000"/>
-              </a:schemeClr>
-            </a:gs>
-            <a:gs pos="100000">
-              <a:schemeClr val="phClr">
-                <a:shade val="20000"/>
-                <a:satMod val="255000"/>
-              </a:schemeClr>
-            </a:gs>
-          </a:gsLst>
-          <a:path path="circle">
-            <a:fillToRect l="50000" t="-80000" r="50000" b="180000"/>
-          </a:path>
-        </a:gradFill>
-        <a:gradFill rotWithShape="1">
-          <a:gsLst>
-            <a:gs pos="0">
-              <a:schemeClr val="phClr">
-                <a:tint val="80000"/>
-                <a:satMod val="300000"/>
-              </a:schemeClr>
-            </a:gs>
-            <a:gs pos="100000">
-              <a:schemeClr val="phClr">
-                <a:shade val="30000"/>
-                <a:satMod val="200000"/>
-              </a:schemeClr>
-            </a:gs>
-          </a:gsLst>
-          <a:path path="circle">
-            <a:fillToRect l="50000" t="50000" r="50000" b="50000"/>
-          </a:path>
-        </a:gradFill>
-      </a:bgFillStyleLst>
-    </a:fmtScheme>
-  </a:themeElements>
-  <a:objectDefaults/>
-  <a:extraClrSchemeLst/>
-</a:theme>
+<file path=customXml/item1.xml><?xml version="1.0" encoding="utf-8"?>
+<p:properties xmlns:p="http://schemas.microsoft.com/office/2006/metadata/properties" xmlns:xsi="http://www.w3.org/2001/XMLSchema-instance" xmlns:pc="http://schemas.microsoft.com/office/infopath/2007/PartnerControls">
+  <documentManagement/>
+</p:properties>
 </file>
 
-<file path=customXml/item1.xml><?xml version="1.0" encoding="utf-8"?>
+<file path=customXml/item2.xml><?xml version="1.0" encoding="utf-8"?>
 <ct:contentTypeSchema xmlns:ct="http://schemas.microsoft.com/office/2006/metadata/contentType" xmlns:ma="http://schemas.microsoft.com/office/2006/metadata/properties/metaAttributes" ct:_="" ma:_="" ma:contentTypeName="Document" ma:contentTypeID="0x010100BE34F36449696C4D9A39A602A84CD659" ma:contentTypeVersion="0" ma:contentTypeDescription="Create a new document." ma:contentTypeScope="" ma:versionID="b30f77e0f06e4123cf78c8237848f67e">
   <xsd:schema xmlns:xsd="http://www.w3.org/2001/XMLSchema" xmlns:xs="http://www.w3.org/2001/XMLSchema" xmlns:p="http://schemas.microsoft.com/office/2006/metadata/properties" targetNamespace="http://schemas.microsoft.com/office/2006/metadata/properties" ma:root="true" ma:fieldsID="d413257cd9829394d17656a545d5fa4e">
     <xsd:element name="properties">
@@ -26498,12 +25693,6 @@
 </ct:contentTypeSchema>
 </file>
 
-<file path=customXml/item2.xml><?xml version="1.0" encoding="utf-8"?>
-<p:properties xmlns:p="http://schemas.microsoft.com/office/2006/metadata/properties" xmlns:xsi="http://www.w3.org/2001/XMLSchema-instance" xmlns:pc="http://schemas.microsoft.com/office/infopath/2007/PartnerControls">
-  <documentManagement/>
-</p:properties>
-</file>
-
 <file path=customXml/item3.xml><?xml version="1.0" encoding="utf-8"?>
 <?mso-contentType ?>
 <FormTemplates xmlns="http://schemas.microsoft.com/sharepoint/v3/contenttype/forms">
@@ -26514,6 +25703,21 @@
 </file>
 
 <file path=customXml/itemProps1.xml><?xml version="1.0" encoding="utf-8"?>
+<ds:datastoreItem xmlns:ds="http://schemas.openxmlformats.org/officeDocument/2006/customXml" ds:itemID="{91C32299-1700-4225-94F0-74D2E6557695}">
+  <ds:schemaRefs>
+    <ds:schemaRef ds:uri="http://purl.org/dc/terms/"/>
+    <ds:schemaRef ds:uri="http://schemas.openxmlformats.org/package/2006/metadata/core-properties"/>
+    <ds:schemaRef ds:uri="http://schemas.microsoft.com/office/2006/documentManagement/types"/>
+    <ds:schemaRef ds:uri="http://schemas.microsoft.com/office/infopath/2007/PartnerControls"/>
+    <ds:schemaRef ds:uri="http://purl.org/dc/elements/1.1/"/>
+    <ds:schemaRef ds:uri="http://schemas.microsoft.com/office/2006/metadata/properties"/>
+    <ds:schemaRef ds:uri="http://www.w3.org/XML/1998/namespace"/>
+    <ds:schemaRef ds:uri="http://purl.org/dc/dcmitype/"/>
+  </ds:schemaRefs>
+</ds:datastoreItem>
+</file>
+
+<file path=customXml/itemProps2.xml><?xml version="1.0" encoding="utf-8"?>
 <ds:datastoreItem xmlns:ds="http://schemas.openxmlformats.org/officeDocument/2006/customXml" ds:itemID="{B434673D-0783-4EC0-8C5C-571A272ECC05}">
   <ds:schemaRefs>
     <ds:schemaRef ds:uri="http://schemas.microsoft.com/office/2006/metadata/contentType"/>
@@ -26529,21 +25733,6 @@
 </ds:datastoreItem>
 </file>
 
-<file path=customXml/itemProps2.xml><?xml version="1.0" encoding="utf-8"?>
-<ds:datastoreItem xmlns:ds="http://schemas.openxmlformats.org/officeDocument/2006/customXml" ds:itemID="{91C32299-1700-4225-94F0-74D2E6557695}">
-  <ds:schemaRefs>
-    <ds:schemaRef ds:uri="http://purl.org/dc/terms/"/>
-    <ds:schemaRef ds:uri="http://schemas.openxmlformats.org/package/2006/metadata/core-properties"/>
-    <ds:schemaRef ds:uri="http://schemas.microsoft.com/office/2006/documentManagement/types"/>
-    <ds:schemaRef ds:uri="http://schemas.microsoft.com/office/infopath/2007/PartnerControls"/>
-    <ds:schemaRef ds:uri="http://purl.org/dc/elements/1.1/"/>
-    <ds:schemaRef ds:uri="http://schemas.microsoft.com/office/2006/metadata/properties"/>
-    <ds:schemaRef ds:uri="http://www.w3.org/XML/1998/namespace"/>
-    <ds:schemaRef ds:uri="http://purl.org/dc/dcmitype/"/>
-  </ds:schemaRefs>
-</ds:datastoreItem>
-</file>
-
 <file path=customXml/itemProps3.xml><?xml version="1.0" encoding="utf-8"?>
 <ds:datastoreItem xmlns:ds="http://schemas.openxmlformats.org/officeDocument/2006/customXml" ds:itemID="{CB1FCD02-4C4E-486A-8F8D-4A5CFE4AE6CF}">
   <ds:schemaRefs>
